--- a/Intro Fronted/BuyerPersona/Buyer Persona.pptx
+++ b/Intro Fronted/BuyerPersona/Buyer Persona.pptx
@@ -240,7 +240,7 @@
             <a:pPr rtl="0"/>
             <a:fld id="{148F8BD3-7A6E-4829-9C52-6A5E8492ECBB}" type="datetime1">
               <a:rPr lang="es-ES" smtClean="0"/>
-              <a:t>03/03/2022</a:t>
+              <a:t>04/03/2022</a:t>
             </a:fld>
             <a:endParaRPr lang="es-ES"/>
           </a:p>
@@ -422,7 +422,7 @@
             <a:fld id="{B768F604-CCDB-4A43-A2E3-294E87B27C22}" type="datetime1">
               <a:rPr lang="es-ES" smtClean="0"/>
               <a:pPr/>
-              <a:t>03/03/2022</a:t>
+              <a:t>04/03/2022</a:t>
             </a:fld>
             <a:endParaRPr lang="es-ES" dirty="0"/>
           </a:p>
@@ -27905,13 +27905,13 @@
         </p:nvSpPr>
         <p:spPr>
           <a:xfrm>
-            <a:off x="1429600" y="7085"/>
-            <a:ext cx="4370543" cy="826339"/>
+            <a:off x="1651182" y="0"/>
+            <a:ext cx="3881309" cy="565570"/>
           </a:xfrm>
         </p:spPr>
         <p:txBody>
           <a:bodyPr rtlCol="0">
-            <a:normAutofit/>
+            <a:normAutofit fontScale="90000"/>
           </a:bodyPr>
           <a:lstStyle/>
           <a:p>
@@ -27951,7 +27951,7 @@
         </p:spPr>
         <p:txBody>
           <a:bodyPr rtlCol="0">
-            <a:normAutofit/>
+            <a:normAutofit fontScale="92500" lnSpcReduction="10000"/>
           </a:bodyPr>
           <a:lstStyle/>
           <a:p>
@@ -27960,10 +27960,10 @@
                 <a:spcPct val="100000"/>
               </a:lnSpc>
               <a:spcBef>
-                <a:spcPts val="600"/>
+                <a:spcPts val="300"/>
               </a:spcBef>
               <a:spcAft>
-                <a:spcPts val="600"/>
+                <a:spcPts val="300"/>
               </a:spcAft>
             </a:pPr>
             <a:r>
@@ -27972,16 +27972,18 @@
             </a:r>
           </a:p>
           <a:p>
-            <a:pPr rtl="0">
+            <a:pPr marL="285750" indent="-285750" rtl="0">
               <a:lnSpc>
                 <a:spcPct val="100000"/>
               </a:lnSpc>
               <a:spcBef>
-                <a:spcPts val="600"/>
+                <a:spcPts val="300"/>
               </a:spcBef>
               <a:spcAft>
-                <a:spcPts val="600"/>
+                <a:spcPts val="300"/>
               </a:spcAft>
+              <a:buFont typeface="Arial" panose="020B0604020202020204" pitchFamily="34" charset="0"/>
+              <a:buChar char="•"/>
             </a:pPr>
             <a:r>
               <a:rPr lang="es-ES" sz="1400" dirty="0">
@@ -27992,7 +27994,7 @@
                   </a:schemeClr>
                 </a:solidFill>
               </a:rPr>
-              <a:t>Redes sociales</a:t>
+              <a:t>Redes sociales, periódicos, televisión</a:t>
             </a:r>
           </a:p>
           <a:p>
@@ -28001,28 +28003,30 @@
                 <a:spcPct val="100000"/>
               </a:lnSpc>
               <a:spcBef>
-                <a:spcPts val="600"/>
+                <a:spcPts val="300"/>
               </a:spcBef>
               <a:spcAft>
-                <a:spcPts val="600"/>
+                <a:spcPts val="300"/>
               </a:spcAft>
             </a:pPr>
             <a:r>
               <a:rPr lang="es-ES" sz="1400" dirty="0"/>
-              <a:t>Responsabilidades laborales:</a:t>
+              <a:t>Herramientas para trabajar:</a:t>
             </a:r>
           </a:p>
           <a:p>
-            <a:pPr rtl="0">
+            <a:pPr marL="285750" indent="-285750" rtl="0">
               <a:lnSpc>
                 <a:spcPct val="100000"/>
               </a:lnSpc>
               <a:spcBef>
-                <a:spcPts val="600"/>
+                <a:spcPts val="300"/>
               </a:spcBef>
               <a:spcAft>
-                <a:spcPts val="600"/>
+                <a:spcPts val="300"/>
               </a:spcAft>
+              <a:buFont typeface="Arial" panose="020B0604020202020204" pitchFamily="34" charset="0"/>
+              <a:buChar char="•"/>
             </a:pPr>
             <a:r>
               <a:rPr lang="es-ES" sz="1400" dirty="0">
@@ -28033,7 +28037,7 @@
                   </a:schemeClr>
                 </a:solidFill>
               </a:rPr>
-              <a:t>Trabajo en zonas peligrosas que pueden causar demandas laborales o legales</a:t>
+              <a:t>Un dispositivo electrónico con acceso a internet</a:t>
             </a:r>
           </a:p>
           <a:p>
@@ -28042,28 +28046,30 @@
                 <a:spcPct val="100000"/>
               </a:lnSpc>
               <a:spcBef>
-                <a:spcPts val="600"/>
+                <a:spcPts val="300"/>
               </a:spcBef>
               <a:spcAft>
-                <a:spcPts val="600"/>
+                <a:spcPts val="300"/>
               </a:spcAft>
             </a:pPr>
             <a:r>
               <a:rPr lang="es-ES" sz="1400" dirty="0"/>
-              <a:t>Metas u Objetivos:</a:t>
+              <a:t>Responsabilidades laborales:</a:t>
             </a:r>
           </a:p>
           <a:p>
-            <a:pPr rtl="0">
+            <a:pPr marL="285750" indent="-285750" rtl="0">
               <a:lnSpc>
                 <a:spcPct val="100000"/>
               </a:lnSpc>
               <a:spcBef>
-                <a:spcPts val="600"/>
+                <a:spcPts val="300"/>
               </a:spcBef>
               <a:spcAft>
-                <a:spcPts val="600"/>
+                <a:spcPts val="300"/>
               </a:spcAft>
+              <a:buFont typeface="Arial" panose="020B0604020202020204" pitchFamily="34" charset="0"/>
+              <a:buChar char="•"/>
             </a:pPr>
             <a:r>
               <a:rPr lang="es-ES" sz="1400" dirty="0">
@@ -28074,10 +28080,42 @@
                   </a:schemeClr>
                 </a:solidFill>
               </a:rPr>
-              <a:t>Salir ileso de cualquier problema legal y obtener la mejor ayuda posible </a:t>
+              <a:t>Trabajo en zonas peligrosas que pueden causar demandas laborales o legales.</a:t>
             </a:r>
+          </a:p>
+          <a:p>
+            <a:pPr rtl="0">
+              <a:lnSpc>
+                <a:spcPct val="100000"/>
+              </a:lnSpc>
+              <a:spcBef>
+                <a:spcPts val="300"/>
+              </a:spcBef>
+              <a:spcAft>
+                <a:spcPts val="300"/>
+              </a:spcAft>
+            </a:pPr>
             <a:r>
-              <a:rPr lang="es-ES" sz="1400" dirty="0" err="1">
+              <a:rPr lang="es-ES" sz="1400" dirty="0"/>
+              <a:t>Su trabajo se mide en función de:</a:t>
+            </a:r>
+          </a:p>
+          <a:p>
+            <a:pPr marL="285750" indent="-285750" rtl="0">
+              <a:lnSpc>
+                <a:spcPct val="100000"/>
+              </a:lnSpc>
+              <a:spcBef>
+                <a:spcPts val="300"/>
+              </a:spcBef>
+              <a:spcAft>
+                <a:spcPts val="300"/>
+              </a:spcAft>
+              <a:buFont typeface="Arial" panose="020B0604020202020204" pitchFamily="34" charset="0"/>
+              <a:buChar char="•"/>
+            </a:pPr>
+            <a:r>
+              <a:rPr lang="es-ES" sz="1400" dirty="0">
                 <a:solidFill>
                   <a:schemeClr val="accent5">
                     <a:lumMod val="40000"/>
@@ -28085,16 +28123,8 @@
                   </a:schemeClr>
                 </a:solidFill>
               </a:rPr>
-              <a:t>rapido</a:t>
+              <a:t>Por como maneja sus relaciones de negocios</a:t>
             </a:r>
-            <a:endParaRPr lang="es-ES" sz="1400" dirty="0">
-              <a:solidFill>
-                <a:schemeClr val="accent5">
-                  <a:lumMod val="40000"/>
-                  <a:lumOff val="60000"/>
-                </a:schemeClr>
-              </a:solidFill>
-            </a:endParaRPr>
           </a:p>
           <a:p>
             <a:pPr rtl="0">
@@ -28102,10 +28132,96 @@
                 <a:spcPct val="100000"/>
               </a:lnSpc>
               <a:spcBef>
-                <a:spcPts val="600"/>
+                <a:spcPts val="300"/>
               </a:spcBef>
               <a:spcAft>
-                <a:spcPts val="600"/>
+                <a:spcPts val="300"/>
+              </a:spcAft>
+            </a:pPr>
+            <a:r>
+              <a:rPr lang="es-ES" sz="1400" dirty="0"/>
+              <a:t>Su superior es:</a:t>
+            </a:r>
+          </a:p>
+          <a:p>
+            <a:pPr marL="285750" indent="-285750" rtl="0">
+              <a:lnSpc>
+                <a:spcPct val="100000"/>
+              </a:lnSpc>
+              <a:spcBef>
+                <a:spcPts val="300"/>
+              </a:spcBef>
+              <a:spcAft>
+                <a:spcPts val="300"/>
+              </a:spcAft>
+              <a:buFont typeface="Arial" panose="020B0604020202020204" pitchFamily="34" charset="0"/>
+              <a:buChar char="•"/>
+            </a:pPr>
+            <a:r>
+              <a:rPr lang="es-ES" sz="1400" dirty="0">
+                <a:solidFill>
+                  <a:schemeClr val="accent5">
+                    <a:lumMod val="40000"/>
+                    <a:lumOff val="60000"/>
+                  </a:schemeClr>
+                </a:solidFill>
+              </a:rPr>
+              <a:t>Gerentes y administradores</a:t>
+            </a:r>
+          </a:p>
+          <a:p>
+            <a:pPr rtl="0">
+              <a:lnSpc>
+                <a:spcPct val="100000"/>
+              </a:lnSpc>
+              <a:spcBef>
+                <a:spcPts val="300"/>
+              </a:spcBef>
+              <a:spcAft>
+                <a:spcPts val="300"/>
+              </a:spcAft>
+            </a:pPr>
+            <a:r>
+              <a:rPr lang="es-ES" sz="1400" dirty="0"/>
+              <a:t>Metas u Objetivos:</a:t>
+            </a:r>
+          </a:p>
+          <a:p>
+            <a:pPr marL="285750" indent="-285750" rtl="0">
+              <a:lnSpc>
+                <a:spcPct val="100000"/>
+              </a:lnSpc>
+              <a:spcBef>
+                <a:spcPts val="300"/>
+              </a:spcBef>
+              <a:spcAft>
+                <a:spcPts val="300"/>
+              </a:spcAft>
+              <a:buFont typeface="Arial" panose="020B0604020202020204" pitchFamily="34" charset="0"/>
+              <a:buChar char="•"/>
+            </a:pPr>
+            <a:r>
+              <a:rPr lang="es-ES" sz="1400" dirty="0">
+                <a:solidFill>
+                  <a:schemeClr val="accent5">
+                    <a:lumMod val="40000"/>
+                    <a:lumOff val="60000"/>
+                  </a:schemeClr>
+                </a:solidFill>
+              </a:rPr>
+              <a:t>Salir ileso de cualquier problema legal y obtener la mejor ayuda posible rápido.</a:t>
+            </a:r>
+          </a:p>
+          <a:p>
+            <a:pPr rtl="0">
+              <a:lnSpc>
+                <a:spcPct val="100000"/>
+              </a:lnSpc>
+              <a:spcBef>
+                <a:spcPts val="300"/>
+              </a:spcBef>
+              <a:spcAft>
+                <a:spcPts val="300"/>
               </a:spcAft>
             </a:pPr>
             <a:r>
@@ -28114,16 +28230,18 @@
             </a:r>
           </a:p>
           <a:p>
-            <a:pPr rtl="0">
+            <a:pPr marL="285750" indent="-285750" rtl="0">
               <a:lnSpc>
                 <a:spcPct val="100000"/>
               </a:lnSpc>
               <a:spcBef>
-                <a:spcPts val="600"/>
+                <a:spcPts val="300"/>
               </a:spcBef>
               <a:spcAft>
-                <a:spcPts val="600"/>
+                <a:spcPts val="300"/>
               </a:spcAft>
+              <a:buFont typeface="Arial" panose="020B0604020202020204" pitchFamily="34" charset="0"/>
+              <a:buChar char="•"/>
             </a:pPr>
             <a:r>
               <a:rPr lang="es-ES" sz="1400" dirty="0">
@@ -28143,10 +28261,10 @@
                 <a:spcPct val="100000"/>
               </a:lnSpc>
               <a:spcBef>
-                <a:spcPts val="600"/>
+                <a:spcPts val="300"/>
               </a:spcBef>
               <a:spcAft>
-                <a:spcPts val="600"/>
+                <a:spcPts val="300"/>
               </a:spcAft>
             </a:pPr>
             <a:r>
@@ -28155,16 +28273,18 @@
             </a:r>
           </a:p>
           <a:p>
-            <a:pPr rtl="0">
+            <a:pPr marL="285750" indent="-285750" rtl="0">
               <a:lnSpc>
                 <a:spcPct val="100000"/>
               </a:lnSpc>
               <a:spcBef>
-                <a:spcPts val="600"/>
+                <a:spcPts val="300"/>
               </a:spcBef>
               <a:spcAft>
-                <a:spcPts val="600"/>
+                <a:spcPts val="300"/>
               </a:spcAft>
+              <a:buFont typeface="Arial" panose="020B0604020202020204" pitchFamily="34" charset="0"/>
+              <a:buChar char="•"/>
             </a:pPr>
             <a:r>
               <a:rPr lang="es-ES" sz="1400" dirty="0">
@@ -28175,7 +28295,7 @@
                   </a:schemeClr>
                 </a:solidFill>
               </a:rPr>
-              <a:t>Puede no tener idea de como comunicarse o del proceso legal</a:t>
+              <a:t>Puede no tener idea de como comunicarse o del proceso legal.</a:t>
             </a:r>
           </a:p>
           <a:p>
@@ -28184,10 +28304,10 @@
                 <a:spcPct val="100000"/>
               </a:lnSpc>
               <a:spcBef>
-                <a:spcPts val="600"/>
+                <a:spcPts val="300"/>
               </a:spcBef>
               <a:spcAft>
-                <a:spcPts val="600"/>
+                <a:spcPts val="300"/>
               </a:spcAft>
             </a:pPr>
             <a:r>
@@ -28201,10 +28321,10 @@
                 <a:spcPct val="100000"/>
               </a:lnSpc>
               <a:spcBef>
-                <a:spcPts val="600"/>
+                <a:spcPts val="300"/>
               </a:spcBef>
               <a:spcAft>
-                <a:spcPts val="600"/>
+                <a:spcPts val="300"/>
               </a:spcAft>
             </a:pPr>
             <a:r>
@@ -28225,10 +28345,10 @@
                 <a:spcPct val="100000"/>
               </a:lnSpc>
               <a:spcBef>
-                <a:spcPts val="600"/>
+                <a:spcPts val="300"/>
               </a:spcBef>
               <a:spcAft>
-                <a:spcPts val="600"/>
+                <a:spcPts val="300"/>
               </a:spcAft>
             </a:pPr>
             <a:r>
@@ -28237,16 +28357,18 @@
             </a:r>
           </a:p>
           <a:p>
-            <a:pPr rtl="0">
+            <a:pPr marL="285750" indent="-285750" rtl="0">
               <a:lnSpc>
                 <a:spcPct val="100000"/>
               </a:lnSpc>
               <a:spcBef>
-                <a:spcPts val="600"/>
+                <a:spcPts val="300"/>
               </a:spcBef>
               <a:spcAft>
-                <a:spcPts val="600"/>
+                <a:spcPts val="300"/>
               </a:spcAft>
+              <a:buFont typeface="Arial" panose="020B0604020202020204" pitchFamily="34" charset="0"/>
+              <a:buChar char="•"/>
             </a:pPr>
             <a:r>
               <a:rPr lang="es-ES" sz="1400" dirty="0">
@@ -28257,7 +28379,7 @@
                   </a:schemeClr>
                 </a:solidFill>
               </a:rPr>
-              <a:t>Trabajador de transporte, oficial de policía, tránsito, guardia, vendedor, casi cualquier persona</a:t>
+              <a:t>Trabajador de transporte, oficial de policía, tránsito, guardia, vendedor, casi cualquier persona.</a:t>
             </a:r>
           </a:p>
           <a:p>
@@ -28266,10 +28388,10 @@
                 <a:spcPct val="100000"/>
               </a:lnSpc>
               <a:spcBef>
-                <a:spcPts val="600"/>
+                <a:spcPts val="300"/>
               </a:spcBef>
               <a:spcAft>
-                <a:spcPts val="600"/>
+                <a:spcPts val="300"/>
               </a:spcAft>
             </a:pPr>
             <a:r>
@@ -28278,16 +28400,18 @@
             </a:r>
           </a:p>
           <a:p>
-            <a:pPr rtl="0">
+            <a:pPr marL="285750" indent="-285750" rtl="0">
               <a:lnSpc>
                 <a:spcPct val="100000"/>
               </a:lnSpc>
               <a:spcBef>
-                <a:spcPts val="600"/>
+                <a:spcPts val="300"/>
               </a:spcBef>
               <a:spcAft>
-                <a:spcPts val="600"/>
+                <a:spcPts val="300"/>
               </a:spcAft>
+              <a:buFont typeface="Arial" panose="020B0604020202020204" pitchFamily="34" charset="0"/>
+              <a:buChar char="•"/>
             </a:pPr>
             <a:r>
               <a:rPr lang="es-ES" sz="1400" dirty="0">
@@ -28298,7 +28422,7 @@
                   </a:schemeClr>
                 </a:solidFill>
               </a:rPr>
-              <a:t>Bachillerato, superior</a:t>
+              <a:t>Nivel Superior</a:t>
             </a:r>
           </a:p>
         </p:txBody>
